--- a/Speech/NLP_2nd_speech.pptx
+++ b/Speech/NLP_2nd_speech.pptx
@@ -2958,7 +2958,7 @@
           <a:p>
             <a:fld id="{D418B2F7-82B0-438D-9D89-A10078F3FE8F}" type="datetimeFigureOut">
               <a:rPr lang="en-US" smtClean="0"/>
-              <a:t>5/21/2019</a:t>
+              <a:t>5/22/2019</a:t>
             </a:fld>
             <a:endParaRPr lang="en-US"/>
           </a:p>
@@ -5034,7 +5034,7 @@
           <a:p>
             <a:fld id="{01F3734F-1A46-4E56-9F85-951CFF3D32FB}" type="datetimeFigureOut">
               <a:rPr lang="en-US" smtClean="0"/>
-              <a:t>5/21/2019</a:t>
+              <a:t>5/22/2019</a:t>
             </a:fld>
             <a:endParaRPr lang="en-US"/>
           </a:p>
@@ -5234,7 +5234,7 @@
           <a:p>
             <a:fld id="{01F3734F-1A46-4E56-9F85-951CFF3D32FB}" type="datetimeFigureOut">
               <a:rPr lang="en-US" smtClean="0"/>
-              <a:t>5/21/2019</a:t>
+              <a:t>5/22/2019</a:t>
             </a:fld>
             <a:endParaRPr lang="en-US"/>
           </a:p>
@@ -5444,7 +5444,7 @@
           <a:p>
             <a:fld id="{01F3734F-1A46-4E56-9F85-951CFF3D32FB}" type="datetimeFigureOut">
               <a:rPr lang="en-US" smtClean="0"/>
-              <a:t>5/21/2019</a:t>
+              <a:t>5/22/2019</a:t>
             </a:fld>
             <a:endParaRPr lang="en-US"/>
           </a:p>
@@ -5644,7 +5644,7 @@
           <a:p>
             <a:fld id="{01F3734F-1A46-4E56-9F85-951CFF3D32FB}" type="datetimeFigureOut">
               <a:rPr lang="en-US" smtClean="0"/>
-              <a:t>5/21/2019</a:t>
+              <a:t>5/22/2019</a:t>
             </a:fld>
             <a:endParaRPr lang="en-US"/>
           </a:p>
@@ -5920,7 +5920,7 @@
           <a:p>
             <a:fld id="{01F3734F-1A46-4E56-9F85-951CFF3D32FB}" type="datetimeFigureOut">
               <a:rPr lang="en-US" smtClean="0"/>
-              <a:t>5/21/2019</a:t>
+              <a:t>5/22/2019</a:t>
             </a:fld>
             <a:endParaRPr lang="en-US"/>
           </a:p>
@@ -6188,7 +6188,7 @@
           <a:p>
             <a:fld id="{01F3734F-1A46-4E56-9F85-951CFF3D32FB}" type="datetimeFigureOut">
               <a:rPr lang="en-US" smtClean="0"/>
-              <a:t>5/21/2019</a:t>
+              <a:t>5/22/2019</a:t>
             </a:fld>
             <a:endParaRPr lang="en-US"/>
           </a:p>
@@ -6603,7 +6603,7 @@
           <a:p>
             <a:fld id="{01F3734F-1A46-4E56-9F85-951CFF3D32FB}" type="datetimeFigureOut">
               <a:rPr lang="en-US" smtClean="0"/>
-              <a:t>5/21/2019</a:t>
+              <a:t>5/22/2019</a:t>
             </a:fld>
             <a:endParaRPr lang="en-US"/>
           </a:p>
@@ -6745,7 +6745,7 @@
           <a:p>
             <a:fld id="{01F3734F-1A46-4E56-9F85-951CFF3D32FB}" type="datetimeFigureOut">
               <a:rPr lang="en-US" smtClean="0"/>
-              <a:t>5/21/2019</a:t>
+              <a:t>5/22/2019</a:t>
             </a:fld>
             <a:endParaRPr lang="en-US"/>
           </a:p>
@@ -6858,7 +6858,7 @@
           <a:p>
             <a:fld id="{01F3734F-1A46-4E56-9F85-951CFF3D32FB}" type="datetimeFigureOut">
               <a:rPr lang="en-US" smtClean="0"/>
-              <a:t>5/21/2019</a:t>
+              <a:t>5/22/2019</a:t>
             </a:fld>
             <a:endParaRPr lang="en-US"/>
           </a:p>
@@ -7171,7 +7171,7 @@
           <a:p>
             <a:fld id="{01F3734F-1A46-4E56-9F85-951CFF3D32FB}" type="datetimeFigureOut">
               <a:rPr lang="en-US" smtClean="0"/>
-              <a:t>5/21/2019</a:t>
+              <a:t>5/22/2019</a:t>
             </a:fld>
             <a:endParaRPr lang="en-US"/>
           </a:p>
@@ -7460,7 +7460,7 @@
           <a:p>
             <a:fld id="{01F3734F-1A46-4E56-9F85-951CFF3D32FB}" type="datetimeFigureOut">
               <a:rPr lang="en-US" smtClean="0"/>
-              <a:t>5/21/2019</a:t>
+              <a:t>5/22/2019</a:t>
             </a:fld>
             <a:endParaRPr lang="en-US"/>
           </a:p>
@@ -7703,7 +7703,7 @@
           <a:p>
             <a:fld id="{01F3734F-1A46-4E56-9F85-951CFF3D32FB}" type="datetimeFigureOut">
               <a:rPr lang="en-US" smtClean="0"/>
-              <a:t>5/21/2019</a:t>
+              <a:t>5/22/2019</a:t>
             </a:fld>
             <a:endParaRPr lang="en-US"/>
           </a:p>
@@ -10358,8 +10358,8 @@
         </p:nvSpPr>
         <p:spPr>
           <a:xfrm>
-            <a:off x="5446209" y="4672755"/>
-            <a:ext cx="5981188" cy="584775"/>
+            <a:off x="5446208" y="4672755"/>
+            <a:ext cx="6155765" cy="584775"/>
           </a:xfrm>
           <a:prstGeom prst="rect">
             <a:avLst/>
@@ -10382,7 +10382,7 @@
             </a:r>
             <a:r>
               <a:rPr lang="en-US" altLang="ko-KR" sz="3200" dirty="0"/>
-              <a:t> URLs</a:t>
+              <a:t> html file URLs</a:t>
             </a:r>
             <a:endParaRPr lang="ko-KR" altLang="en-US" sz="3200" dirty="0"/>
           </a:p>
@@ -10559,7 +10559,7 @@
             </a:pPr>
             <a:r>
               <a:rPr lang="en-US" dirty="0"/>
-              <a:t>The size of training data.</a:t>
+              <a:t>The size of training data</a:t>
             </a:r>
           </a:p>
         </p:txBody>
@@ -10873,7 +10873,14 @@
           <a:p>
             <a:r>
               <a:rPr lang="en-US" dirty="0"/>
-              <a:t>Since our computing resource is limited, we decided to use pre-trained word2vec model</a:t>
+              <a:t>Since our computing resource is limited,</a:t>
+            </a:r>
+            <a:br>
+              <a:rPr lang="en-US" dirty="0"/>
+            </a:br>
+            <a:r>
+              <a:rPr lang="en-US" dirty="0"/>
+              <a:t>we decided to use pre-trained word2vec model</a:t>
             </a:r>
           </a:p>
           <a:p>
@@ -10904,7 +10911,15 @@
           <a:p>
             <a:r>
               <a:rPr lang="en-US" dirty="0"/>
-              <a:t>We use genism library to load model</a:t>
+              <a:t>We use </a:t>
+            </a:r>
+            <a:r>
+              <a:rPr lang="en-US" dirty="0" err="1"/>
+              <a:t>gensim</a:t>
+            </a:r>
+            <a:r>
+              <a:rPr lang="en-US" dirty="0"/>
+              <a:t> library to load model</a:t>
             </a:r>
           </a:p>
           <a:p>
@@ -12738,20 +12753,13 @@
           <a:p>
             <a:r>
               <a:rPr lang="en-US" altLang="ko-KR" dirty="0"/>
-              <a:t>It is too naive to sum word representations to represent document into vector</a:t>
-            </a:r>
-          </a:p>
-          <a:p>
-            <a:pPr lvl="1"/>
+              <a:t>We will continue to explore other methods, models for better document-to-vector representation</a:t>
+            </a:r>
+          </a:p>
+          <a:p>
             <a:r>
               <a:rPr lang="en-US" altLang="ko-KR" dirty="0"/>
-              <a:t>We’ll continue to explore other method for better document-to-vector representation</a:t>
-            </a:r>
-          </a:p>
-          <a:p>
-            <a:r>
-              <a:rPr lang="en-US" altLang="ko-KR" dirty="0"/>
-              <a:t>If possible, we’ll evaluate our </a:t>
+              <a:t>If possible, we will evaluate our </a:t>
             </a:r>
             <a:r>
               <a:rPr lang="en-US" altLang="ko-KR" dirty="0" err="1"/>
@@ -14281,9 +14289,7 @@
             <a:r>
               <a:rPr lang="en-US" sz="3000" dirty="0">
                 <a:solidFill>
-                  <a:schemeClr val="bg1">
-                    <a:lumMod val="65000"/>
-                  </a:schemeClr>
+                  <a:srgbClr val="BFBFBF"/>
                 </a:solidFill>
               </a:rPr>
               <a:t>Python Document</a:t>
